--- a/CSE-6093-RMTW/Project Proposal.pptx
+++ b/CSE-6093-RMTW/Project Proposal.pptx
@@ -22,21 +22,21 @@
   <p:notesSz cx="6858000" cy="9144000"/>
   <p:embeddedFontLst>
     <p:embeddedFont>
-      <p:font typeface="Fira Sans Extra Condensed" panose="020B0604020202020204" charset="0"/>
+      <p:font typeface="Montserrat" panose="020B0604020202020204" charset="0"/>
       <p:regular r:id="rId10"/>
       <p:bold r:id="rId11"/>
       <p:italic r:id="rId12"/>
       <p:boldItalic r:id="rId13"/>
     </p:embeddedFont>
     <p:embeddedFont>
-      <p:font typeface="Montserrat" panose="020B0604020202020204" charset="0"/>
+      <p:font typeface="Montserrat Medium" panose="020B0604020202020204" charset="0"/>
       <p:regular r:id="rId14"/>
       <p:bold r:id="rId15"/>
       <p:italic r:id="rId16"/>
       <p:boldItalic r:id="rId17"/>
     </p:embeddedFont>
     <p:embeddedFont>
-      <p:font typeface="Montserrat Medium" panose="020B0604020202020204" charset="0"/>
+      <p:font typeface="Fira Sans Extra Condensed" panose="020B0604020202020204" charset="0"/>
       <p:regular r:id="rId18"/>
       <p:bold r:id="rId19"/>
       <p:italic r:id="rId20"/>
@@ -362,7 +362,7 @@
           <a:p>
             <a:fld id="{246373C3-5698-471F-9308-38CF10C2DB54}" type="datetime1">
               <a:rPr lang="en-US" smtClean="0"/>
-              <a:t>05-Feb-24</a:t>
+              <a:t>07-Feb-24</a:t>
             </a:fld>
             <a:endParaRPr lang="en-US"/>
           </a:p>
@@ -657,6 +657,11 @@
         </p:txBody>
       </p:sp>
     </p:spTree>
+    <p:extLst>
+      <p:ext uri="{BB962C8B-B14F-4D97-AF65-F5344CB8AC3E}">
+        <p14:creationId xmlns:p14="http://schemas.microsoft.com/office/powerpoint/2010/main" val="4013506537"/>
+      </p:ext>
+    </p:extLst>
   </p:cSld>
   <p:clrMap bg1="lt1" tx1="dk1" bg2="dk2" tx2="lt2" accent1="accent1" accent2="accent2" accent3="accent3" accent4="accent4" accent5="accent5" accent6="accent6" hlink="hlink" folHlink="folHlink"/>
   <p:hf hdr="0"/>
@@ -989,6 +994,11 @@
         </p:txBody>
       </p:sp>
     </p:spTree>
+    <p:extLst>
+      <p:ext uri="{BB962C8B-B14F-4D97-AF65-F5344CB8AC3E}">
+        <p14:creationId xmlns:p14="http://schemas.microsoft.com/office/powerpoint/2010/main" val="678434654"/>
+      </p:ext>
+    </p:extLst>
   </p:cSld>
   <p:clrMapOvr>
     <a:masterClrMapping/>
